--- a/защита диплома/1Презентация Интеллектуальная система оптимизации ценообразования.pptx
+++ b/защита диплома/1Презентация Интеллектуальная система оптимизации ценообразования.pptx
@@ -127,6 +127,22 @@
       </a:defRPr>
     </a:lvl9pPr>
   </p:defaultTextStyle>
+  <p:extLst>
+    <p:ext uri="{EFAFB233-063F-42B5-8137-9DF3F51BA10A}">
+      <p15:sldGuideLst xmlns:p15="http://schemas.microsoft.com/office/powerpoint/2012/main">
+        <p15:guide id="1" orient="horz" pos="2160">
+          <p15:clr>
+            <a:srgbClr val="A4A3A4"/>
+          </p15:clr>
+        </p15:guide>
+        <p15:guide id="2" pos="2880">
+          <p15:clr>
+            <a:srgbClr val="A4A3A4"/>
+          </p15:clr>
+        </p15:guide>
+      </p15:sldGuideLst>
+    </p:ext>
+  </p:extLst>
 </p:presentation>
 </file>
 
@@ -421,7 +437,7 @@
             <a:fld id="{5B106E36-FD25-4E2D-B0AA-010F637433A0}" type="datetimeFigureOut">
               <a:rPr lang="ru-RU" smtClean="0"/>
               <a:pPr/>
-              <a:t>27.09.2022</a:t>
+              <a:t>28.09.2022</a:t>
             </a:fld>
             <a:endParaRPr lang="ru-RU"/>
           </a:p>
@@ -588,7 +604,7 @@
             <a:fld id="{5B106E36-FD25-4E2D-B0AA-010F637433A0}" type="datetimeFigureOut">
               <a:rPr lang="ru-RU" smtClean="0"/>
               <a:pPr/>
-              <a:t>27.09.2022</a:t>
+              <a:t>28.09.2022</a:t>
             </a:fld>
             <a:endParaRPr lang="ru-RU"/>
           </a:p>
@@ -765,7 +781,7 @@
             <a:fld id="{5B106E36-FD25-4E2D-B0AA-010F637433A0}" type="datetimeFigureOut">
               <a:rPr lang="ru-RU" smtClean="0"/>
               <a:pPr/>
-              <a:t>27.09.2022</a:t>
+              <a:t>28.09.2022</a:t>
             </a:fld>
             <a:endParaRPr lang="ru-RU"/>
           </a:p>
@@ -914,7 +930,7 @@
             <a:fld id="{5B106E36-FD25-4E2D-B0AA-010F637433A0}" type="datetimeFigureOut">
               <a:rPr lang="ru-RU" smtClean="0"/>
               <a:pPr/>
-              <a:t>27.09.2022</a:t>
+              <a:t>28.09.2022</a:t>
             </a:fld>
             <a:endParaRPr lang="ru-RU"/>
           </a:p>
@@ -1033,7 +1049,7 @@
             <a:fld id="{5B106E36-FD25-4E2D-B0AA-010F637433A0}" type="datetimeFigureOut">
               <a:rPr lang="ru-RU" smtClean="0"/>
               <a:pPr/>
-              <a:t>27.09.2022</a:t>
+              <a:t>28.09.2022</a:t>
             </a:fld>
             <a:endParaRPr lang="ru-RU"/>
           </a:p>
@@ -1305,7 +1321,7 @@
             <a:fld id="{5B106E36-FD25-4E2D-B0AA-010F637433A0}" type="datetimeFigureOut">
               <a:rPr lang="ru-RU" smtClean="0"/>
               <a:pPr/>
-              <a:t>27.09.2022</a:t>
+              <a:t>28.09.2022</a:t>
             </a:fld>
             <a:endParaRPr lang="ru-RU"/>
           </a:p>
@@ -1577,7 +1593,7 @@
             <a:fld id="{5B106E36-FD25-4E2D-B0AA-010F637433A0}" type="datetimeFigureOut">
               <a:rPr lang="ru-RU" smtClean="0"/>
               <a:pPr/>
-              <a:t>27.09.2022</a:t>
+              <a:t>28.09.2022</a:t>
             </a:fld>
             <a:endParaRPr lang="ru-RU"/>
           </a:p>
@@ -2025,7 +2041,7 @@
             <a:fld id="{5B106E36-FD25-4E2D-B0AA-010F637433A0}" type="datetimeFigureOut">
               <a:rPr lang="ru-RU" smtClean="0"/>
               <a:pPr/>
-              <a:t>27.09.2022</a:t>
+              <a:t>28.09.2022</a:t>
             </a:fld>
             <a:endParaRPr lang="ru-RU"/>
           </a:p>
@@ -2140,7 +2156,7 @@
             <a:fld id="{5B106E36-FD25-4E2D-B0AA-010F637433A0}" type="datetimeFigureOut">
               <a:rPr lang="ru-RU" smtClean="0"/>
               <a:pPr/>
-              <a:t>27.09.2022</a:t>
+              <a:t>28.09.2022</a:t>
             </a:fld>
             <a:endParaRPr lang="ru-RU"/>
           </a:p>
@@ -2392,7 +2408,7 @@
             <a:fld id="{5B106E36-FD25-4E2D-B0AA-010F637433A0}" type="datetimeFigureOut">
               <a:rPr lang="ru-RU" smtClean="0"/>
               <a:pPr/>
-              <a:t>27.09.2022</a:t>
+              <a:t>28.09.2022</a:t>
             </a:fld>
             <a:endParaRPr lang="ru-RU"/>
           </a:p>
@@ -2634,7 +2650,7 @@
             <a:fld id="{5B106E36-FD25-4E2D-B0AA-010F637433A0}" type="datetimeFigureOut">
               <a:rPr lang="ru-RU" smtClean="0"/>
               <a:pPr/>
-              <a:t>27.09.2022</a:t>
+              <a:t>28.09.2022</a:t>
             </a:fld>
             <a:endParaRPr lang="ru-RU"/>
           </a:p>
@@ -2809,7 +2825,7 @@
             <a:fld id="{5B106E36-FD25-4E2D-B0AA-010F637433A0}" type="datetimeFigureOut">
               <a:rPr lang="ru-RU" smtClean="0"/>
               <a:pPr/>
-              <a:t>27.09.2022</a:t>
+              <a:t>28.09.2022</a:t>
             </a:fld>
             <a:endParaRPr lang="ru-RU"/>
           </a:p>
@@ -3661,11 +3677,7 @@
           <a:p>
             <a:r>
               <a:rPr lang="en-US" dirty="0" smtClean="0"/>
-              <a:t>Pearson's </a:t>
-            </a:r>
-            <a:r>
-              <a:rPr lang="en-US" dirty="0" smtClean="0"/>
-              <a:t>R</a:t>
+              <a:t>Pearson's R</a:t>
             </a:r>
             <a:endParaRPr lang="ru-RU" dirty="0"/>
           </a:p>
@@ -3699,13 +3711,8 @@
             </a:r>
             <a:r>
               <a:rPr lang="en-US" dirty="0" smtClean="0"/>
-              <a:t> </a:t>
-            </a:r>
-            <a:r>
-              <a:rPr lang="en-US" dirty="0" smtClean="0"/>
-              <a:t>V</a:t>
-            </a:r>
-            <a:endParaRPr lang="en-US" dirty="0" smtClean="0"/>
+              <a:t> V</a:t>
+            </a:r>
           </a:p>
         </p:txBody>
       </p:sp>
@@ -3845,11 +3852,7 @@
             <a:pPr algn="ctr"/>
             <a:r>
               <a:rPr lang="ru-RU" dirty="0" smtClean="0"/>
-              <a:t>Спрос для одной услуги по </a:t>
-            </a:r>
-            <a:r>
-              <a:rPr lang="ru-RU" dirty="0" smtClean="0"/>
-              <a:t>месяцам</a:t>
+              <a:t>Спрос для одной услуги по месяцам</a:t>
             </a:r>
             <a:endParaRPr lang="ru-RU" dirty="0"/>
           </a:p>
@@ -3933,11 +3936,7 @@
             <a:pPr algn="ctr"/>
             <a:r>
               <a:rPr lang="ru-RU" dirty="0" smtClean="0"/>
-              <a:t>Спрос для одной услуги по дням </a:t>
-            </a:r>
-            <a:r>
-              <a:rPr lang="ru-RU" dirty="0" smtClean="0"/>
-              <a:t>недели</a:t>
+              <a:t>Спрос для одной услуги по дням недели</a:t>
             </a:r>
             <a:endParaRPr lang="ru-RU" dirty="0"/>
           </a:p>
@@ -5023,11 +5022,7 @@
           <a:p>
             <a:r>
               <a:rPr lang="ru-RU" dirty="0" smtClean="0"/>
-              <a:t>Разбить </a:t>
-            </a:r>
-            <a:r>
-              <a:rPr lang="ru-RU" dirty="0" smtClean="0"/>
-              <a:t>данные по категориям номенклатурных групп и по медицинским специальностям на отдельные </a:t>
+              <a:t>Разбить данные по категориям номенклатурных групп и по медицинским специальностям на отдельные </a:t>
             </a:r>
             <a:r>
               <a:rPr lang="ru-RU" dirty="0" err="1" smtClean="0"/>
@@ -5041,47 +5036,26 @@
           <a:p>
             <a:r>
               <a:rPr lang="ru-RU" dirty="0" smtClean="0"/>
-              <a:t>Разработка </a:t>
-            </a:r>
+              <a:t>Разработка сервиса с возможностью интерактивного изменения данных и построения интерактивных графиков, а также подсчета ключевых бизнес метрик.</a:t>
+            </a:r>
+          </a:p>
+          <a:p>
             <a:r>
               <a:rPr lang="ru-RU" dirty="0" smtClean="0"/>
-              <a:t>сервиса с возможностью интерактивного изменения данных и построения интерактивных графиков, а также подсчета ключевых бизнес метрик.</a:t>
+              <a:t>Разработка системы автоматизированного сбора и обработки данных.</a:t>
             </a:r>
           </a:p>
           <a:p>
             <a:r>
               <a:rPr lang="ru-RU" dirty="0" smtClean="0"/>
-              <a:t>Разработка </a:t>
-            </a:r>
+              <a:t>Проведение экспериментов с моделями на основе глубокого обучения и обучения с подкреплением.</a:t>
+            </a:r>
+          </a:p>
+          <a:p>
             <a:r>
               <a:rPr lang="ru-RU" dirty="0" smtClean="0"/>
-              <a:t>системы автоматизированного сбора и обработки данных.</a:t>
-            </a:r>
-          </a:p>
-          <a:p>
-            <a:r>
-              <a:rPr lang="ru-RU" dirty="0" smtClean="0"/>
-              <a:t>Проведение </a:t>
-            </a:r>
-            <a:r>
-              <a:rPr lang="ru-RU" dirty="0" smtClean="0"/>
-              <a:t>экспериментов с моделями на основе глубокого обучения и обучения с подкреплением.</a:t>
-            </a:r>
-          </a:p>
-          <a:p>
-            <a:r>
-              <a:rPr lang="ru-RU" dirty="0" smtClean="0"/>
-              <a:t>Выяснение </a:t>
-            </a:r>
-            <a:r>
-              <a:rPr lang="ru-RU" dirty="0" smtClean="0"/>
-              <a:t>периода для переобучения модели на новых данных</a:t>
-            </a:r>
-            <a:r>
-              <a:rPr lang="ru-RU" dirty="0" smtClean="0"/>
-              <a:t>.</a:t>
-            </a:r>
-            <a:endParaRPr lang="ru-RU" dirty="0" smtClean="0"/>
+              <a:t>Выяснение периода для переобучения модели на новых данных.</a:t>
+            </a:r>
           </a:p>
           <a:p>
             <a:endParaRPr lang="ru-RU" dirty="0"/>

--- a/защита диплома/1Презентация Интеллектуальная система оптимизации ценообразования.pptx
+++ b/защита диплома/1Презентация Интеллектуальная система оптимизации ценообразования.pptx
@@ -129,7 +129,7 @@
   </p:defaultTextStyle>
   <p:extLst>
     <p:ext uri="{EFAFB233-063F-42B5-8137-9DF3F51BA10A}">
-      <p15:sldGuideLst xmlns:p15="http://schemas.microsoft.com/office/powerpoint/2012/main">
+      <p15:sldGuideLst xmlns:p15="http://schemas.microsoft.com/office/powerpoint/2012/main" xmlns="">
         <p15:guide id="1" orient="horz" pos="2160">
           <p15:clr>
             <a:srgbClr val="A4A3A4"/>
@@ -4232,7 +4232,7 @@
         <p:spPr bwMode="auto">
           <a:xfrm>
             <a:off x="179512" y="1844824"/>
-            <a:ext cx="8698954" cy="2981982"/>
+            <a:ext cx="8822508" cy="3024336"/>
           </a:xfrm>
           <a:prstGeom prst="rect">
             <a:avLst/>

--- a/защита диплома/1Презентация Интеллектуальная система оптимизации ценообразования.pptx
+++ b/защита диплома/1Презентация Интеллектуальная система оптимизации ценообразования.pptx
@@ -129,7 +129,7 @@
   </p:defaultTextStyle>
   <p:extLst>
     <p:ext uri="{EFAFB233-063F-42B5-8137-9DF3F51BA10A}">
-      <p15:sldGuideLst xmlns:p15="http://schemas.microsoft.com/office/powerpoint/2012/main" xmlns="">
+      <p15:sldGuideLst xmlns="" xmlns:p15="http://schemas.microsoft.com/office/powerpoint/2012/main">
         <p15:guide id="1" orient="horz" pos="2160">
           <p15:clr>
             <a:srgbClr val="A4A3A4"/>
@@ -4313,8 +4313,8 @@
         </p:blipFill>
         <p:spPr bwMode="auto">
           <a:xfrm>
-            <a:off x="251520" y="3717032"/>
-            <a:ext cx="8568952" cy="2671322"/>
+            <a:off x="107504" y="3573016"/>
+            <a:ext cx="8856984" cy="2736304"/>
           </a:xfrm>
           <a:prstGeom prst="rect">
             <a:avLst/>
@@ -4324,7 +4324,7 @@
       </p:pic>
       <p:pic>
         <p:nvPicPr>
-          <p:cNvPr id="11267" name="Picture 3" descr="D:\Work\DS_projects\защита диплома\аномалии цены.jpg"/>
+          <p:cNvPr id="1026" name="Picture 2"/>
           <p:cNvPicPr>
             <a:picLocks noChangeAspect="1" noChangeArrowheads="1"/>
           </p:cNvPicPr>
@@ -4339,13 +4339,53 @@
         </p:blipFill>
         <p:spPr bwMode="auto">
           <a:xfrm>
-            <a:off x="251520" y="1052736"/>
-            <a:ext cx="8568952" cy="2593048"/>
+            <a:off x="107504" y="980728"/>
+            <a:ext cx="7333031" cy="2520280"/>
           </a:xfrm>
           <a:prstGeom prst="rect">
             <a:avLst/>
           </a:prstGeom>
           <a:noFill/>
+          <a:ln w="9525">
+            <a:noFill/>
+            <a:miter lim="800000"/>
+            <a:headEnd/>
+            <a:tailEnd/>
+          </a:ln>
+          <a:effectLst/>
+        </p:spPr>
+      </p:pic>
+      <p:pic>
+        <p:nvPicPr>
+          <p:cNvPr id="1027" name="Picture 3"/>
+          <p:cNvPicPr>
+            <a:picLocks noChangeAspect="1" noChangeArrowheads="1"/>
+          </p:cNvPicPr>
+          <p:nvPr/>
+        </p:nvPicPr>
+        <p:blipFill>
+          <a:blip r:embed="rId4" cstate="print"/>
+          <a:srcRect/>
+          <a:stretch>
+            <a:fillRect/>
+          </a:stretch>
+        </p:blipFill>
+        <p:spPr bwMode="auto">
+          <a:xfrm>
+            <a:off x="7452320" y="980729"/>
+            <a:ext cx="1512168" cy="2520280"/>
+          </a:xfrm>
+          <a:prstGeom prst="rect">
+            <a:avLst/>
+          </a:prstGeom>
+          <a:noFill/>
+          <a:ln w="9525">
+            <a:noFill/>
+            <a:miter lim="800000"/>
+            <a:headEnd/>
+            <a:tailEnd/>
+          </a:ln>
+          <a:effectLst/>
         </p:spPr>
       </p:pic>
     </p:spTree>
@@ -4626,6 +4666,449 @@
               <a:t>VS</a:t>
             </a:r>
             <a:endParaRPr lang="ru-RU" sz="5400" dirty="0"/>
+          </a:p>
+        </p:txBody>
+      </p:sp>
+      <p:sp>
+        <p:nvSpPr>
+          <p:cNvPr id="6" name="TextBox 5"/>
+          <p:cNvSpPr txBox="1"/>
+          <p:nvPr/>
+        </p:nvSpPr>
+        <p:spPr>
+          <a:xfrm>
+            <a:off x="5076056" y="1484784"/>
+            <a:ext cx="3528392" cy="2462213"/>
+          </a:xfrm>
+          <a:prstGeom prst="rect">
+            <a:avLst/>
+          </a:prstGeom>
+          <a:noFill/>
+        </p:spPr>
+        <p:txBody>
+          <a:bodyPr wrap="square" rtlCol="0">
+            <a:spAutoFit/>
+          </a:bodyPr>
+          <a:lstStyle/>
+          <a:p>
+            <a:r>
+              <a:rPr lang="en-US" sz="1100" dirty="0" err="1" smtClean="0"/>
+              <a:t>CatBoostRegressor</a:t>
+            </a:r>
+            <a:r>
+              <a:rPr lang="en-US" sz="1100" dirty="0" smtClean="0"/>
+              <a:t>(iterations=100000,</a:t>
+            </a:r>
+          </a:p>
+          <a:p>
+            <a:r>
+              <a:rPr lang="en-US" sz="1100" dirty="0" smtClean="0"/>
+              <a:t>#                              depth=13,</a:t>
+            </a:r>
+          </a:p>
+          <a:p>
+            <a:r>
+              <a:rPr lang="en-US" sz="1100" dirty="0" smtClean="0"/>
+              <a:t>#                              </a:t>
+            </a:r>
+            <a:r>
+              <a:rPr lang="en-US" sz="1100" dirty="0" err="1" smtClean="0"/>
+              <a:t>learning_rate</a:t>
+            </a:r>
+            <a:r>
+              <a:rPr lang="en-US" sz="1100" dirty="0" smtClean="0"/>
+              <a:t> = 0.005,</a:t>
+            </a:r>
+          </a:p>
+          <a:p>
+            <a:r>
+              <a:rPr lang="en-US" sz="1100" dirty="0" smtClean="0"/>
+              <a:t>#                              </a:t>
+            </a:r>
+            <a:r>
+              <a:rPr lang="en-US" sz="1100" dirty="0" err="1" smtClean="0"/>
+              <a:t>eval_metric</a:t>
+            </a:r>
+            <a:r>
+              <a:rPr lang="en-US" sz="1100" dirty="0" smtClean="0"/>
+              <a:t>='RMSE',</a:t>
+            </a:r>
+          </a:p>
+          <a:p>
+            <a:r>
+              <a:rPr lang="en-US" sz="1100" dirty="0" smtClean="0"/>
+              <a:t>#                              </a:t>
+            </a:r>
+            <a:r>
+              <a:rPr lang="en-US" sz="1100" dirty="0" err="1" smtClean="0"/>
+              <a:t>od_wait</a:t>
+            </a:r>
+            <a:r>
+              <a:rPr lang="en-US" sz="1100" dirty="0" smtClean="0"/>
+              <a:t>=1000, </a:t>
+            </a:r>
+          </a:p>
+          <a:p>
+            <a:r>
+              <a:rPr lang="en-US" sz="1100" dirty="0" smtClean="0"/>
+              <a:t>#                              </a:t>
+            </a:r>
+            <a:r>
+              <a:rPr lang="en-US" sz="1100" dirty="0" err="1" smtClean="0"/>
+              <a:t>task_type</a:t>
+            </a:r>
+            <a:r>
+              <a:rPr lang="en-US" sz="1100" dirty="0" smtClean="0"/>
+              <a:t>='GPU',</a:t>
+            </a:r>
+          </a:p>
+          <a:p>
+            <a:r>
+              <a:rPr lang="en-US" sz="1100" dirty="0" smtClean="0"/>
+              <a:t>#                              silent=False,</a:t>
+            </a:r>
+          </a:p>
+          <a:p>
+            <a:r>
+              <a:rPr lang="en-US" sz="1100" dirty="0" smtClean="0"/>
+              <a:t>#                              l2_leaf_reg=0.15, </a:t>
+            </a:r>
+          </a:p>
+          <a:p>
+            <a:r>
+              <a:rPr lang="en-US" sz="1100" dirty="0" smtClean="0"/>
+              <a:t>#                              </a:t>
+            </a:r>
+            <a:r>
+              <a:rPr lang="en-US" sz="1100" dirty="0" err="1" smtClean="0"/>
+              <a:t>random_strength</a:t>
+            </a:r>
+            <a:r>
+              <a:rPr lang="en-US" sz="1100" dirty="0" smtClean="0"/>
+              <a:t>=0.35,</a:t>
+            </a:r>
+          </a:p>
+          <a:p>
+            <a:r>
+              <a:rPr lang="en-US" sz="1100" dirty="0" smtClean="0"/>
+              <a:t>#                              </a:t>
+            </a:r>
+            <a:r>
+              <a:rPr lang="en-US" sz="1100" dirty="0" err="1" smtClean="0"/>
+              <a:t>cat_features</a:t>
+            </a:r>
+            <a:r>
+              <a:rPr lang="en-US" sz="1100" dirty="0" smtClean="0"/>
+              <a:t>=</a:t>
+            </a:r>
+            <a:r>
+              <a:rPr lang="en-US" sz="1100" dirty="0" err="1" smtClean="0"/>
+              <a:t>cat_features</a:t>
+            </a:r>
+            <a:r>
+              <a:rPr lang="en-US" sz="1100" dirty="0" smtClean="0"/>
+              <a:t>,</a:t>
+            </a:r>
+          </a:p>
+          <a:p>
+            <a:r>
+              <a:rPr lang="en-US" sz="1100" dirty="0" smtClean="0"/>
+              <a:t>#                              </a:t>
+            </a:r>
+            <a:r>
+              <a:rPr lang="en-US" sz="1100" dirty="0" err="1" smtClean="0"/>
+              <a:t>bagging_temperature</a:t>
+            </a:r>
+            <a:r>
+              <a:rPr lang="en-US" sz="1100" dirty="0" smtClean="0"/>
+              <a:t>=3,</a:t>
+            </a:r>
+          </a:p>
+          <a:p>
+            <a:r>
+              <a:rPr lang="en-US" sz="1100" dirty="0" smtClean="0"/>
+              <a:t>#                              </a:t>
+            </a:r>
+            <a:r>
+              <a:rPr lang="en-US" sz="1100" dirty="0" err="1" smtClean="0"/>
+              <a:t>min_child_samples</a:t>
+            </a:r>
+            <a:r>
+              <a:rPr lang="en-US" sz="1100" dirty="0" smtClean="0"/>
+              <a:t>=26,</a:t>
+            </a:r>
+          </a:p>
+          <a:p>
+            <a:r>
+              <a:rPr lang="en-US" sz="1100" dirty="0" smtClean="0"/>
+              <a:t>#                           )</a:t>
+            </a:r>
+          </a:p>
+          <a:p>
+            <a:endParaRPr lang="ru-RU" sz="1100" dirty="0"/>
+          </a:p>
+        </p:txBody>
+      </p:sp>
+      <p:sp>
+        <p:nvSpPr>
+          <p:cNvPr id="7" name="TextBox 6"/>
+          <p:cNvSpPr txBox="1"/>
+          <p:nvPr/>
+        </p:nvSpPr>
+        <p:spPr>
+          <a:xfrm>
+            <a:off x="539552" y="3212976"/>
+            <a:ext cx="2880320" cy="3308598"/>
+          </a:xfrm>
+          <a:prstGeom prst="rect">
+            <a:avLst/>
+          </a:prstGeom>
+          <a:noFill/>
+        </p:spPr>
+        <p:txBody>
+          <a:bodyPr wrap="square" rtlCol="0">
+            <a:spAutoFit/>
+          </a:bodyPr>
+          <a:lstStyle/>
+          <a:p>
+            <a:r>
+              <a:rPr lang="en-US" sz="1100" dirty="0" smtClean="0"/>
+              <a:t># </a:t>
+            </a:r>
+            <a:r>
+              <a:rPr lang="en-US" sz="1100" dirty="0" err="1" smtClean="0"/>
+              <a:t>LightGBM</a:t>
+            </a:r>
+            <a:endParaRPr lang="en-US" sz="1100" dirty="0" smtClean="0"/>
+          </a:p>
+          <a:p>
+            <a:r>
+              <a:rPr lang="en-US" sz="1100" dirty="0" smtClean="0"/>
+              <a:t>#</a:t>
+            </a:r>
+            <a:r>
+              <a:rPr lang="en-US" sz="1100" dirty="0" smtClean="0"/>
+              <a:t> </a:t>
+            </a:r>
+            <a:r>
+              <a:rPr lang="en-US" sz="1100" dirty="0" err="1" smtClean="0"/>
+              <a:t>params</a:t>
+            </a:r>
+            <a:r>
+              <a:rPr lang="en-US" sz="1100" dirty="0" smtClean="0"/>
+              <a:t> = {'metric' : 'RMSE',</a:t>
+            </a:r>
+          </a:p>
+          <a:p>
+            <a:r>
+              <a:rPr lang="en-US" sz="1100" dirty="0" smtClean="0"/>
+              <a:t>#           'objective': 'regression',</a:t>
+            </a:r>
+          </a:p>
+          <a:p>
+            <a:r>
+              <a:rPr lang="en-US" sz="1100" dirty="0" smtClean="0"/>
+              <a:t>#           '</a:t>
+            </a:r>
+            <a:r>
+              <a:rPr lang="en-US" sz="1100" dirty="0" err="1" smtClean="0"/>
+              <a:t>learning_rate</a:t>
+            </a:r>
+            <a:r>
+              <a:rPr lang="en-US" sz="1100" dirty="0" smtClean="0"/>
+              <a:t>': 0.005,</a:t>
+            </a:r>
+          </a:p>
+          <a:p>
+            <a:r>
+              <a:rPr lang="en-US" sz="1100" dirty="0" smtClean="0"/>
+              <a:t>#           '</a:t>
+            </a:r>
+            <a:r>
+              <a:rPr lang="en-US" sz="1100" dirty="0" err="1" smtClean="0"/>
+              <a:t>boosting_type</a:t>
+            </a:r>
+            <a:r>
+              <a:rPr lang="en-US" sz="1100" dirty="0" smtClean="0"/>
+              <a:t>' : '</a:t>
+            </a:r>
+            <a:r>
+              <a:rPr lang="en-US" sz="1100" dirty="0" err="1" smtClean="0"/>
+              <a:t>gbdt</a:t>
+            </a:r>
+            <a:r>
+              <a:rPr lang="en-US" sz="1100" dirty="0" smtClean="0"/>
+              <a:t>',</a:t>
+            </a:r>
+          </a:p>
+          <a:p>
+            <a:r>
+              <a:rPr lang="en-US" sz="1100" dirty="0" smtClean="0"/>
+              <a:t>#           '</a:t>
+            </a:r>
+            <a:r>
+              <a:rPr lang="en-US" sz="1100" dirty="0" err="1" smtClean="0"/>
+              <a:t>n_jobs</a:t>
+            </a:r>
+            <a:r>
+              <a:rPr lang="en-US" sz="1100" dirty="0" smtClean="0"/>
+              <a:t>' : 10,</a:t>
+            </a:r>
+          </a:p>
+          <a:p>
+            <a:r>
+              <a:rPr lang="en-US" sz="1100" dirty="0" smtClean="0"/>
+              <a:t>#           '</a:t>
+            </a:r>
+            <a:r>
+              <a:rPr lang="en-US" sz="1100" dirty="0" err="1" smtClean="0"/>
+              <a:t>num_leaves</a:t>
+            </a:r>
+            <a:r>
+              <a:rPr lang="en-US" sz="1100" dirty="0" smtClean="0"/>
+              <a:t>': 90,</a:t>
+            </a:r>
+          </a:p>
+          <a:p>
+            <a:r>
+              <a:rPr lang="en-US" sz="1100" dirty="0" smtClean="0"/>
+              <a:t>#           '</a:t>
+            </a:r>
+            <a:r>
+              <a:rPr lang="en-US" sz="1100" dirty="0" err="1" smtClean="0"/>
+              <a:t>min_child_samples</a:t>
+            </a:r>
+            <a:r>
+              <a:rPr lang="en-US" sz="1100" dirty="0" smtClean="0"/>
+              <a:t>': 30,</a:t>
+            </a:r>
+          </a:p>
+          <a:p>
+            <a:r>
+              <a:rPr lang="en-US" sz="1100" dirty="0" smtClean="0"/>
+              <a:t>#           '</a:t>
+            </a:r>
+            <a:r>
+              <a:rPr lang="en-US" sz="1100" dirty="0" err="1" smtClean="0"/>
+              <a:t>max_depth</a:t>
+            </a:r>
+            <a:r>
+              <a:rPr lang="en-US" sz="1100" dirty="0" smtClean="0"/>
+              <a:t>': 35,</a:t>
+            </a:r>
+          </a:p>
+          <a:p>
+            <a:r>
+              <a:rPr lang="en-US" sz="1100" dirty="0" smtClean="0"/>
+              <a:t>#           '</a:t>
+            </a:r>
+            <a:r>
+              <a:rPr lang="en-US" sz="1100" dirty="0" err="1" smtClean="0"/>
+              <a:t>min_split_gain</a:t>
+            </a:r>
+            <a:r>
+              <a:rPr lang="en-US" sz="1100" dirty="0" smtClean="0"/>
+              <a:t>': 0.35,</a:t>
+            </a:r>
+          </a:p>
+          <a:p>
+            <a:r>
+              <a:rPr lang="en-US" sz="1100" dirty="0" smtClean="0"/>
+              <a:t>#           '</a:t>
+            </a:r>
+            <a:r>
+              <a:rPr lang="en-US" sz="1100" dirty="0" err="1" smtClean="0"/>
+              <a:t>reg_alpha</a:t>
+            </a:r>
+            <a:r>
+              <a:rPr lang="en-US" sz="1100" dirty="0" smtClean="0"/>
+              <a:t>': 0.015,</a:t>
+            </a:r>
+          </a:p>
+          <a:p>
+            <a:r>
+              <a:rPr lang="en-US" sz="1100" dirty="0" smtClean="0"/>
+              <a:t>#           '</a:t>
+            </a:r>
+            <a:r>
+              <a:rPr lang="en-US" sz="1100" dirty="0" err="1" smtClean="0"/>
+              <a:t>reg_lambda</a:t>
+            </a:r>
+            <a:r>
+              <a:rPr lang="en-US" sz="1100" dirty="0" smtClean="0"/>
+              <a:t>': 0.025,</a:t>
+            </a:r>
+          </a:p>
+          <a:p>
+            <a:r>
+              <a:rPr lang="en-US" sz="1100" dirty="0" smtClean="0"/>
+              <a:t>#           '</a:t>
+            </a:r>
+            <a:r>
+              <a:rPr lang="en-US" sz="1100" dirty="0" err="1" smtClean="0"/>
+              <a:t>feature_fraction</a:t>
+            </a:r>
+            <a:r>
+              <a:rPr lang="en-US" sz="1100" dirty="0" smtClean="0"/>
+              <a:t>': 0.35,</a:t>
+            </a:r>
+          </a:p>
+          <a:p>
+            <a:r>
+              <a:rPr lang="en-US" sz="1100" dirty="0" smtClean="0"/>
+              <a:t>#           '</a:t>
+            </a:r>
+            <a:r>
+              <a:rPr lang="en-US" sz="1100" dirty="0" err="1" smtClean="0"/>
+              <a:t>bagging_freq</a:t>
+            </a:r>
+            <a:r>
+              <a:rPr lang="en-US" sz="1100" dirty="0" smtClean="0"/>
+              <a:t>': 50,</a:t>
+            </a:r>
+          </a:p>
+          <a:p>
+            <a:r>
+              <a:rPr lang="en-US" sz="1100" dirty="0" smtClean="0"/>
+              <a:t>#           '</a:t>
+            </a:r>
+            <a:r>
+              <a:rPr lang="en-US" sz="1100" dirty="0" err="1" smtClean="0"/>
+              <a:t>bagging_fraction</a:t>
+            </a:r>
+            <a:r>
+              <a:rPr lang="en-US" sz="1100" dirty="0" smtClean="0"/>
+              <a:t>': 0.35,</a:t>
+            </a:r>
+          </a:p>
+          <a:p>
+            <a:r>
+              <a:rPr lang="en-US" sz="1100" dirty="0" smtClean="0"/>
+              <a:t>#           'verbosity': 1,</a:t>
+            </a:r>
+          </a:p>
+          <a:p>
+            <a:r>
+              <a:rPr lang="en-US" sz="1100" dirty="0" smtClean="0"/>
+              <a:t>#           '</a:t>
+            </a:r>
+            <a:r>
+              <a:rPr lang="en-US" sz="1100" dirty="0" err="1" smtClean="0"/>
+              <a:t>early_stopping_round</a:t>
+            </a:r>
+            <a:r>
+              <a:rPr lang="en-US" sz="1100" dirty="0" smtClean="0"/>
+              <a:t>': 3000,</a:t>
+            </a:r>
+          </a:p>
+          <a:p>
+            <a:r>
+              <a:rPr lang="en-US" sz="1100" dirty="0" smtClean="0"/>
+              <a:t># }</a:t>
+            </a:r>
+          </a:p>
+          <a:p>
+            <a:endParaRPr lang="ru-RU" sz="1100" dirty="0"/>
           </a:p>
         </p:txBody>
       </p:sp>

--- a/защита диплома/1Презентация Интеллектуальная система оптимизации ценообразования.pptx
+++ b/защита диплома/1Презентация Интеллектуальная система оптимизации ценообразования.pptx
@@ -129,7 +129,7 @@
   </p:defaultTextStyle>
   <p:extLst>
     <p:ext uri="{EFAFB233-063F-42B5-8137-9DF3F51BA10A}">
-      <p15:sldGuideLst xmlns="" xmlns:p15="http://schemas.microsoft.com/office/powerpoint/2012/main">
+      <p15:sldGuideLst xmlns:p15="http://schemas.microsoft.com/office/powerpoint/2012/main" xmlns="">
         <p15:guide id="1" orient="horz" pos="2160">
           <p15:clr>
             <a:srgbClr val="A4A3A4"/>
@@ -4884,11 +4884,7 @@
           <a:p>
             <a:r>
               <a:rPr lang="en-US" sz="1100" dirty="0" smtClean="0"/>
-              <a:t>#</a:t>
-            </a:r>
-            <a:r>
-              <a:rPr lang="en-US" sz="1100" dirty="0" smtClean="0"/>
-              <a:t> </a:t>
+              <a:t># </a:t>
             </a:r>
             <a:r>
               <a:rPr lang="en-US" sz="1100" dirty="0" err="1" smtClean="0"/>
@@ -5869,8 +5865,8 @@
         </p:blipFill>
         <p:spPr bwMode="auto">
           <a:xfrm>
-            <a:off x="323528" y="1844824"/>
-            <a:ext cx="4584750" cy="2649509"/>
+            <a:off x="251520" y="1844824"/>
+            <a:ext cx="4236527" cy="2448272"/>
           </a:xfrm>
           <a:prstGeom prst="rect">
             <a:avLst/>
@@ -5895,8 +5891,8 @@
         </p:blipFill>
         <p:spPr bwMode="auto">
           <a:xfrm>
-            <a:off x="4211960" y="3933056"/>
-            <a:ext cx="4609871" cy="2592288"/>
+            <a:off x="4572000" y="1844824"/>
+            <a:ext cx="4353766" cy="2448271"/>
           </a:xfrm>
           <a:prstGeom prst="rect">
             <a:avLst/>
@@ -5971,7 +5967,7 @@
         </p:nvSpPr>
         <p:spPr>
           <a:xfrm>
-            <a:off x="5004048" y="3429000"/>
+            <a:off x="5076056" y="1412776"/>
             <a:ext cx="3384376" cy="369332"/>
           </a:xfrm>
           <a:prstGeom prst="rect">
@@ -5993,6 +5989,38 @@
           </a:p>
         </p:txBody>
       </p:sp>
+      <p:pic>
+        <p:nvPicPr>
+          <p:cNvPr id="1026" name="Picture 2"/>
+          <p:cNvPicPr>
+            <a:picLocks noChangeAspect="1" noChangeArrowheads="1"/>
+          </p:cNvPicPr>
+          <p:nvPr/>
+        </p:nvPicPr>
+        <p:blipFill>
+          <a:blip r:embed="rId4" cstate="print"/>
+          <a:srcRect/>
+          <a:stretch>
+            <a:fillRect/>
+          </a:stretch>
+        </p:blipFill>
+        <p:spPr bwMode="auto">
+          <a:xfrm>
+            <a:off x="2646002" y="4437112"/>
+            <a:ext cx="3779912" cy="2019456"/>
+          </a:xfrm>
+          <a:prstGeom prst="rect">
+            <a:avLst/>
+          </a:prstGeom>
+          <a:noFill/>
+          <a:ln w="9525">
+            <a:noFill/>
+            <a:miter lim="800000"/>
+            <a:headEnd/>
+            <a:tailEnd/>
+          </a:ln>
+        </p:spPr>
+      </p:pic>
     </p:spTree>
   </p:cSld>
   <p:clrMapOvr>
@@ -6211,10 +6239,14 @@
           <a:p>
             <a:pPr algn="ctr"/>
             <a:r>
-              <a:rPr lang="ru-RU" dirty="0" smtClean="0"/>
+              <a:rPr lang="ru-RU" dirty="0" smtClean="0">
+                <a:effectLst/>
+              </a:rPr>
               <a:t>Наивная модель</a:t>
             </a:r>
-            <a:endParaRPr lang="ru-RU" dirty="0"/>
+            <a:endParaRPr lang="ru-RU" dirty="0">
+              <a:effectLst/>
+            </a:endParaRPr>
           </a:p>
         </p:txBody>
       </p:sp>
@@ -6235,7 +6267,7 @@
         </p:blipFill>
         <p:spPr bwMode="auto">
           <a:xfrm>
-            <a:off x="539552" y="1628800"/>
+            <a:off x="539552" y="1772816"/>
             <a:ext cx="1038225" cy="381000"/>
           </a:xfrm>
           <a:prstGeom prst="rect">
@@ -6278,7 +6310,7 @@
         </p:nvSpPr>
         <p:spPr>
           <a:xfrm>
-            <a:off x="467544" y="1268760"/>
+            <a:off x="467544" y="1412776"/>
             <a:ext cx="1152128" cy="369332"/>
           </a:xfrm>
           <a:prstGeom prst="rect">
@@ -6326,6 +6358,61 @@
               <a:rPr lang="ru-RU" dirty="0" smtClean="0"/>
               <a:t>Результаты</a:t>
             </a:r>
+            <a:endParaRPr lang="ru-RU" dirty="0"/>
+          </a:p>
+        </p:txBody>
+      </p:sp>
+      <p:sp>
+        <p:nvSpPr>
+          <p:cNvPr id="9" name="TextBox 8"/>
+          <p:cNvSpPr txBox="1"/>
+          <p:nvPr/>
+        </p:nvSpPr>
+        <p:spPr>
+          <a:xfrm>
+            <a:off x="2699792" y="980728"/>
+            <a:ext cx="3744416" cy="923330"/>
+          </a:xfrm>
+          <a:prstGeom prst="rect">
+            <a:avLst/>
+          </a:prstGeom>
+          <a:noFill/>
+        </p:spPr>
+        <p:txBody>
+          <a:bodyPr wrap="square" rtlCol="0">
+            <a:spAutoFit/>
+          </a:bodyPr>
+          <a:lstStyle/>
+          <a:p>
+            <a:pPr algn="ctr"/>
+            <a:r>
+              <a:rPr lang="en-US" sz="3600" dirty="0" smtClean="0">
+                <a:effectLst>
+                  <a:outerShdw blurRad="38100" dist="38100" dir="2700000" algn="tl">
+                    <a:srgbClr val="000000">
+                      <a:alpha val="43137"/>
+                    </a:srgbClr>
+                  </a:outerShdw>
+                </a:effectLst>
+                <a:latin typeface="+mj-lt"/>
+                <a:cs typeface="Times New Roman" pitchFamily="18" charset="0"/>
+              </a:rPr>
+              <a:t>Linear regression</a:t>
+            </a:r>
+            <a:endParaRPr lang="en-US" sz="3600" dirty="0" smtClean="0">
+              <a:effectLst>
+                <a:outerShdw blurRad="38100" dist="38100" dir="2700000" algn="tl">
+                  <a:srgbClr val="000000">
+                    <a:alpha val="43137"/>
+                  </a:srgbClr>
+                </a:outerShdw>
+              </a:effectLst>
+              <a:latin typeface="+mj-lt"/>
+              <a:cs typeface="Times New Roman" pitchFamily="18" charset="0"/>
+              <a:hlinkClick r:id="rId4"/>
+            </a:endParaRPr>
+          </a:p>
+          <a:p>
             <a:endParaRPr lang="ru-RU" dirty="0"/>
           </a:p>
         </p:txBody>

--- a/защита диплома/1Презентация Интеллектуальная система оптимизации ценообразования.pptx
+++ b/защита диплома/1Презентация Интеллектуальная система оптимизации ценообразования.pptx
@@ -129,7 +129,7 @@
   </p:defaultTextStyle>
   <p:extLst>
     <p:ext uri="{EFAFB233-063F-42B5-8137-9DF3F51BA10A}">
-      <p15:sldGuideLst xmlns:p15="http://schemas.microsoft.com/office/powerpoint/2012/main" xmlns="">
+      <p15:sldGuideLst xmlns="" xmlns:p15="http://schemas.microsoft.com/office/powerpoint/2012/main">
         <p15:guide id="1" orient="horz" pos="2160">
           <p15:clr>
             <a:srgbClr val="A4A3A4"/>
